--- a/Netreba.pptx
+++ b/Netreba.pptx
@@ -214,7 +214,7 @@
           <a:p>
             <a:fld id="{D2FFA4A9-D466-4B74-A922-177682387D54}" type="datetimeFigureOut">
               <a:rPr lang="cs-CZ" smtClean="0"/>
-              <a:t>25.08.2023</a:t>
+              <a:t>26.08.2023</a:t>
             </a:fld>
             <a:endParaRPr lang="cs-CZ"/>
           </a:p>
@@ -796,7 +796,7 @@
           <a:p>
             <a:fld id="{6B909872-CA1E-47C3-96CB-8F242949AD75}" type="datetimeFigureOut">
               <a:rPr lang="cs-CZ" smtClean="0"/>
-              <a:t>25.08.2023</a:t>
+              <a:t>26.08.2023</a:t>
             </a:fld>
             <a:endParaRPr lang="cs-CZ"/>
           </a:p>
@@ -1006,7 +1006,7 @@
           <a:p>
             <a:fld id="{6B909872-CA1E-47C3-96CB-8F242949AD75}" type="datetimeFigureOut">
               <a:rPr lang="cs-CZ" smtClean="0"/>
-              <a:t>25.08.2023</a:t>
+              <a:t>26.08.2023</a:t>
             </a:fld>
             <a:endParaRPr lang="cs-CZ"/>
           </a:p>
@@ -1226,7 +1226,7 @@
           <a:p>
             <a:fld id="{6B909872-CA1E-47C3-96CB-8F242949AD75}" type="datetimeFigureOut">
               <a:rPr lang="cs-CZ" smtClean="0"/>
-              <a:t>25.08.2023</a:t>
+              <a:t>26.08.2023</a:t>
             </a:fld>
             <a:endParaRPr lang="cs-CZ"/>
           </a:p>
@@ -1436,7 +1436,7 @@
           <a:p>
             <a:fld id="{6B909872-CA1E-47C3-96CB-8F242949AD75}" type="datetimeFigureOut">
               <a:rPr lang="cs-CZ" smtClean="0"/>
-              <a:t>25.08.2023</a:t>
+              <a:t>26.08.2023</a:t>
             </a:fld>
             <a:endParaRPr lang="cs-CZ"/>
           </a:p>
@@ -1723,7 +1723,7 @@
           <a:p>
             <a:fld id="{6B909872-CA1E-47C3-96CB-8F242949AD75}" type="datetimeFigureOut">
               <a:rPr lang="cs-CZ" smtClean="0"/>
-              <a:t>25.08.2023</a:t>
+              <a:t>26.08.2023</a:t>
             </a:fld>
             <a:endParaRPr lang="cs-CZ"/>
           </a:p>
@@ -2000,7 +2000,7 @@
           <a:p>
             <a:fld id="{6B909872-CA1E-47C3-96CB-8F242949AD75}" type="datetimeFigureOut">
               <a:rPr lang="cs-CZ" smtClean="0"/>
-              <a:t>25.08.2023</a:t>
+              <a:t>26.08.2023</a:t>
             </a:fld>
             <a:endParaRPr lang="cs-CZ"/>
           </a:p>
@@ -2424,7 +2424,7 @@
           <a:p>
             <a:fld id="{6B909872-CA1E-47C3-96CB-8F242949AD75}" type="datetimeFigureOut">
               <a:rPr lang="cs-CZ" smtClean="0"/>
-              <a:t>25.08.2023</a:t>
+              <a:t>26.08.2023</a:t>
             </a:fld>
             <a:endParaRPr lang="cs-CZ"/>
           </a:p>
@@ -2577,7 +2577,7 @@
           <a:p>
             <a:fld id="{6B909872-CA1E-47C3-96CB-8F242949AD75}" type="datetimeFigureOut">
               <a:rPr lang="cs-CZ" smtClean="0"/>
-              <a:t>25.08.2023</a:t>
+              <a:t>26.08.2023</a:t>
             </a:fld>
             <a:endParaRPr lang="cs-CZ"/>
           </a:p>
@@ -2702,7 +2702,7 @@
           <a:p>
             <a:fld id="{6B909872-CA1E-47C3-96CB-8F242949AD75}" type="datetimeFigureOut">
               <a:rPr lang="cs-CZ" smtClean="0"/>
-              <a:t>25.08.2023</a:t>
+              <a:t>26.08.2023</a:t>
             </a:fld>
             <a:endParaRPr lang="cs-CZ"/>
           </a:p>
@@ -3025,7 +3025,7 @@
           <a:p>
             <a:fld id="{6B909872-CA1E-47C3-96CB-8F242949AD75}" type="datetimeFigureOut">
               <a:rPr lang="cs-CZ" smtClean="0"/>
-              <a:t>25.08.2023</a:t>
+              <a:t>26.08.2023</a:t>
             </a:fld>
             <a:endParaRPr lang="cs-CZ"/>
           </a:p>
@@ -3325,7 +3325,7 @@
           <a:p>
             <a:fld id="{6B909872-CA1E-47C3-96CB-8F242949AD75}" type="datetimeFigureOut">
               <a:rPr lang="cs-CZ" smtClean="0"/>
-              <a:t>25.08.2023</a:t>
+              <a:t>26.08.2023</a:t>
             </a:fld>
             <a:endParaRPr lang="cs-CZ"/>
           </a:p>
@@ -3578,7 +3578,7 @@
           <a:p>
             <a:fld id="{6B909872-CA1E-47C3-96CB-8F242949AD75}" type="datetimeFigureOut">
               <a:rPr lang="cs-CZ" smtClean="0"/>
-              <a:t>25.08.2023</a:t>
+              <a:t>26.08.2023</a:t>
             </a:fld>
             <a:endParaRPr lang="cs-CZ"/>
           </a:p>
@@ -5338,7 +5338,7 @@
                   <a:srgbClr val="00B0F0"/>
                 </a:solidFill>
               </a:rPr>
-              <a:t>Demonstrace - audio</a:t>
+              <a:t>Demonstrace – streamování audia</a:t>
             </a:r>
           </a:p>
         </p:txBody>
@@ -6339,7 +6339,23 @@
                   <a:srgbClr val="00B0F0"/>
                 </a:solidFill>
               </a:rPr>
-              <a:t> - (rozšiřitelnost, interpretovaný jazyk zde nebylo nevýhodou, používaný k podobným účelům)</a:t>
+              <a:t> - rozšiřitelnost, interpretovaný jazyk zde nebyl nevýhodou, používaný k podobným účelům, k </a:t>
+            </a:r>
+            <a:r>
+              <a:rPr lang="cs-CZ" dirty="0" err="1">
+                <a:solidFill>
+                  <a:srgbClr val="00B0F0"/>
+                </a:solidFill>
+              </a:rPr>
+              <a:t>discord</a:t>
+            </a:r>
+            <a:r>
+              <a:rPr lang="cs-CZ" dirty="0">
+                <a:solidFill>
+                  <a:srgbClr val="00B0F0"/>
+                </a:solidFill>
+              </a:rPr>
+              <a:t> API jsou nejvýhodnější k výběru knihovny buď discord.py nebo discord.js</a:t>
             </a:r>
           </a:p>
           <a:p>
@@ -6428,7 +6444,7 @@
                   <a:srgbClr val="00B0F0"/>
                 </a:solidFill>
               </a:rPr>
-              <a:t>“</a:t>
+              <a:t>“, používaný pro network komunikaci programu a platformy</a:t>
             </a:r>
           </a:p>
           <a:p>
@@ -6453,7 +6469,7 @@
                   <a:srgbClr val="00B0F0"/>
                 </a:solidFill>
               </a:rPr>
-              <a:t> -  program pro zpracování audia (videa)</a:t>
+              <a:t> -  CLI program pro zpracování audia (videa)</a:t>
             </a:r>
           </a:p>
           <a:p>
@@ -6961,7 +6977,23 @@
                   <a:srgbClr val="00B0F0"/>
                 </a:solidFill>
               </a:rPr>
-              <a:t> bot, skip </a:t>
+              <a:t> &lt;bot-</a:t>
+            </a:r>
+            <a:r>
+              <a:rPr lang="cs-CZ" dirty="0" err="1">
+                <a:solidFill>
+                  <a:srgbClr val="00B0F0"/>
+                </a:solidFill>
+              </a:rPr>
+              <a:t>name</a:t>
+            </a:r>
+            <a:r>
+              <a:rPr lang="cs-CZ" dirty="0">
+                <a:solidFill>
+                  <a:srgbClr val="00B0F0"/>
+                </a:solidFill>
+              </a:rPr>
+              <a:t>&gt;, skip </a:t>
             </a:r>
             <a:r>
               <a:rPr lang="cs-CZ" dirty="0" err="1">
@@ -7002,7 +7034,7 @@
                   <a:srgbClr val="00B0F0"/>
                 </a:solidFill>
               </a:rPr>
-              <a:t> pravděpodobně cloud službou (</a:t>
+              <a:t> pravděpodobně jako cloud služba (od </a:t>
             </a:r>
             <a:r>
               <a:rPr lang="cs-CZ" dirty="0" err="1">
@@ -7774,7 +7806,7 @@
   </p:clrMapOvr>
   <mc:AlternateContent xmlns:mc="http://schemas.openxmlformats.org/markup-compatibility/2006" xmlns:p14="http://schemas.microsoft.com/office/powerpoint/2010/main">
     <mc:Choice Requires="p14">
-      <p:transition p14:dur="0"/>
+      <p:transition p14:dur="10"/>
     </mc:Choice>
     <mc:Fallback xmlns="">
       <p:transition/>
@@ -8224,7 +8256,7 @@
                   <a:srgbClr val="00B0F0"/>
                 </a:solidFill>
               </a:rPr>
-              <a:t>Rozšiřitelnost (vlastní integrovaná aplikace, vlastní programem řízený účet =&gt; bot)</a:t>
+              <a:t>Rozšiřitelnost (vlastní integrované aplikace, vlastní programem řízený účet =&gt; bot)</a:t>
             </a:r>
           </a:p>
         </p:txBody>
@@ -8629,23 +8661,7 @@
                   <a:srgbClr val="00B0F0"/>
                 </a:solidFill>
               </a:rPr>
-              <a:t>Nástroje pro správu komunity (</a:t>
-            </a:r>
-            <a:r>
-              <a:rPr lang="cs-CZ" dirty="0" err="1">
-                <a:solidFill>
-                  <a:srgbClr val="00B0F0"/>
-                </a:solidFill>
-              </a:rPr>
-              <a:t>discord</a:t>
-            </a:r>
-            <a:r>
-              <a:rPr lang="cs-CZ" dirty="0">
-                <a:solidFill>
-                  <a:srgbClr val="00B0F0"/>
-                </a:solidFill>
-              </a:rPr>
-              <a:t> server)</a:t>
+              <a:t>Nástroje pro správu komunit</a:t>
             </a:r>
           </a:p>
           <a:p>
@@ -9070,7 +9086,7 @@
                   <a:srgbClr val="00B0F0"/>
                 </a:solidFill>
               </a:rPr>
-              <a:t>Cíl: Vytvořit sadu nástrojů jenž umožní moderátorům jednodušší, rychlejší a rozšířenější kontrolu nad serverem.</a:t>
+              <a:t>Cíl: Vytvořit sadu nástrojů jenž umožní moderátorům jednodušší, rychlejší a rozšířenější kontrolu nad serverem a jejich uživateli.</a:t>
             </a:r>
           </a:p>
           <a:p>
@@ -9087,7 +9103,7 @@
                   <a:srgbClr val="00B0F0"/>
                 </a:solidFill>
               </a:rPr>
-              <a:t>Správa pravidel </a:t>
+              <a:t>Správa pravidel komunit</a:t>
             </a:r>
           </a:p>
           <a:p>
@@ -9570,7 +9586,7 @@
                   <a:srgbClr val="00B0F0"/>
                 </a:solidFill>
               </a:rPr>
-              <a:t>Cíl: Vytvořit (již dříve) chybějící funkcionalitu pro naplánování si schůzky.</a:t>
+              <a:t>Cíl: Vytvořit (již dříve) chybějící funkcionalitu pro naplánování si schůzky, obecně libovolné události.</a:t>
             </a:r>
           </a:p>
           <a:p>
@@ -9587,7 +9603,7 @@
                   <a:srgbClr val="00B0F0"/>
                 </a:solidFill>
               </a:rPr>
-              <a:t>Správa kalendářní události (název, popisek, datum a čas, místo)</a:t>
+              <a:t>Správa události (název, popis, datum a čas, místo apod.)</a:t>
             </a:r>
           </a:p>
           <a:p>
@@ -9597,7 +9613,7 @@
                   <a:srgbClr val="00B0F0"/>
                 </a:solidFill>
               </a:rPr>
-              <a:t>Varianty (omezení počtu, anonymizace osob apod.)</a:t>
+              <a:t>Varianty a customizace (omezení počtu, anonymizace osob apod.)</a:t>
             </a:r>
           </a:p>
           <a:p>
@@ -9607,7 +9623,55 @@
                   <a:srgbClr val="00B0F0"/>
                 </a:solidFill>
               </a:rPr>
-              <a:t>Evidence osob </a:t>
+              <a:t>Evidence osob do kategorií (</a:t>
+            </a:r>
+            <a:r>
+              <a:rPr lang="cs-CZ" dirty="0" err="1">
+                <a:solidFill>
+                  <a:srgbClr val="00B0F0"/>
+                </a:solidFill>
+              </a:rPr>
+              <a:t>accepted</a:t>
+            </a:r>
+            <a:r>
+              <a:rPr lang="cs-CZ" dirty="0">
+                <a:solidFill>
+                  <a:srgbClr val="00B0F0"/>
+                </a:solidFill>
+              </a:rPr>
+              <a:t>, </a:t>
+            </a:r>
+            <a:r>
+              <a:rPr lang="cs-CZ" dirty="0" err="1">
+                <a:solidFill>
+                  <a:srgbClr val="00B0F0"/>
+                </a:solidFill>
+              </a:rPr>
+              <a:t>tentative</a:t>
+            </a:r>
+            <a:r>
+              <a:rPr lang="cs-CZ" dirty="0">
+                <a:solidFill>
+                  <a:srgbClr val="00B0F0"/>
+                </a:solidFill>
+              </a:rPr>
+              <a:t>, </a:t>
+            </a:r>
+            <a:r>
+              <a:rPr lang="cs-CZ" dirty="0" err="1">
+                <a:solidFill>
+                  <a:srgbClr val="00B0F0"/>
+                </a:solidFill>
+              </a:rPr>
+              <a:t>declined</a:t>
+            </a:r>
+            <a:r>
+              <a:rPr lang="cs-CZ" dirty="0">
+                <a:solidFill>
+                  <a:srgbClr val="00B0F0"/>
+                </a:solidFill>
+              </a:rPr>
+              <a:t>)</a:t>
             </a:r>
           </a:p>
           <a:p>
@@ -10800,7 +10864,7 @@
                   <a:srgbClr val="00B0F0"/>
                 </a:solidFill>
               </a:rPr>
-              <a:t>“ pro uživatele serveru.</a:t>
+              <a:t>“ pro uživatele na serveru.</a:t>
             </a:r>
           </a:p>
           <a:p>
